--- a/doc/Презентация_Летней Практики.pptx
+++ b/doc/Презентация_Летней Практики.pptx
@@ -230,7 +230,7 @@
             <a:fld id="{4368B9E7-2C6A-4525-88F8-016CC1FAAD89}" type="datetimeFigureOut">
               <a:rPr lang="ru-RU" smtClean="0"/>
               <a:pPr/>
-              <a:t>22.07.2022</a:t>
+              <a:t>19.10.2022</a:t>
             </a:fld>
             <a:endParaRPr lang="ru-RU"/>
           </a:p>
@@ -1015,7 +1015,7 @@
             <a:fld id="{3B71355E-CC69-42B2-BE0F-478B6A670C17}" type="datetime1">
               <a:rPr lang="ru-RU" smtClean="0"/>
               <a:pPr/>
-              <a:t>22.07.2022</a:t>
+              <a:t>19.10.2022</a:t>
             </a:fld>
             <a:endParaRPr lang="ru-RU"/>
           </a:p>
@@ -1182,7 +1182,7 @@
             <a:fld id="{0574AB45-282A-40B4-BE03-01EBFCC542BA}" type="datetime1">
               <a:rPr lang="ru-RU" smtClean="0"/>
               <a:pPr/>
-              <a:t>22.07.2022</a:t>
+              <a:t>19.10.2022</a:t>
             </a:fld>
             <a:endParaRPr lang="ru-RU"/>
           </a:p>
@@ -1359,7 +1359,7 @@
             <a:fld id="{7284501F-50C0-42C3-AD61-F671EAB4F1DB}" type="datetime1">
               <a:rPr lang="ru-RU" smtClean="0"/>
               <a:pPr/>
-              <a:t>22.07.2022</a:t>
+              <a:t>19.10.2022</a:t>
             </a:fld>
             <a:endParaRPr lang="ru-RU"/>
           </a:p>
@@ -1526,7 +1526,7 @@
             <a:fld id="{C0FA2490-22F4-4D52-B6B4-D9FFFA569CC5}" type="datetime1">
               <a:rPr lang="ru-RU" smtClean="0"/>
               <a:pPr/>
-              <a:t>22.07.2022</a:t>
+              <a:t>19.10.2022</a:t>
             </a:fld>
             <a:endParaRPr lang="ru-RU"/>
           </a:p>
@@ -1769,7 +1769,7 @@
             <a:fld id="{FD44A82C-05F0-4584-8480-684CC025388C}" type="datetime1">
               <a:rPr lang="ru-RU" smtClean="0"/>
               <a:pPr/>
-              <a:t>22.07.2022</a:t>
+              <a:t>19.10.2022</a:t>
             </a:fld>
             <a:endParaRPr lang="ru-RU"/>
           </a:p>
@@ -2054,7 +2054,7 @@
             <a:fld id="{D9C604A6-5D46-4B93-9CAC-C3D17926AD78}" type="datetime1">
               <a:rPr lang="ru-RU" smtClean="0"/>
               <a:pPr/>
-              <a:t>22.07.2022</a:t>
+              <a:t>19.10.2022</a:t>
             </a:fld>
             <a:endParaRPr lang="ru-RU"/>
           </a:p>
@@ -2478,7 +2478,7 @@
             <a:fld id="{13831DC7-3CE7-49E5-BC9B-E0E0839B8C44}" type="datetime1">
               <a:rPr lang="ru-RU" smtClean="0"/>
               <a:pPr/>
-              <a:t>22.07.2022</a:t>
+              <a:t>19.10.2022</a:t>
             </a:fld>
             <a:endParaRPr lang="ru-RU"/>
           </a:p>
@@ -2593,7 +2593,7 @@
             <a:fld id="{3B6D24E8-1AD2-4FE9-B97D-1AA0F9D2334F}" type="datetime1">
               <a:rPr lang="ru-RU" smtClean="0"/>
               <a:pPr/>
-              <a:t>22.07.2022</a:t>
+              <a:t>19.10.2022</a:t>
             </a:fld>
             <a:endParaRPr lang="ru-RU"/>
           </a:p>
@@ -2685,7 +2685,7 @@
             <a:fld id="{57A8CA3E-B5F3-4E3A-BDBA-C0C780733A6A}" type="datetime1">
               <a:rPr lang="ru-RU" smtClean="0"/>
               <a:pPr/>
-              <a:t>22.07.2022</a:t>
+              <a:t>19.10.2022</a:t>
             </a:fld>
             <a:endParaRPr lang="ru-RU"/>
           </a:p>
@@ -2959,7 +2959,7 @@
             <a:fld id="{783A8FFC-0958-42A6-808E-B369AD57A4B5}" type="datetime1">
               <a:rPr lang="ru-RU" smtClean="0"/>
               <a:pPr/>
-              <a:t>22.07.2022</a:t>
+              <a:t>19.10.2022</a:t>
             </a:fld>
             <a:endParaRPr lang="ru-RU"/>
           </a:p>
@@ -3209,7 +3209,7 @@
             <a:fld id="{441837D8-6D1B-4798-BAC6-9842DCDD5C74}" type="datetime1">
               <a:rPr lang="ru-RU" smtClean="0"/>
               <a:pPr/>
-              <a:t>22.07.2022</a:t>
+              <a:t>19.10.2022</a:t>
             </a:fld>
             <a:endParaRPr lang="ru-RU"/>
           </a:p>
@@ -3419,7 +3419,7 @@
             <a:fld id="{C0351C40-09EC-485E-A21D-A4001E1A3310}" type="datetime1">
               <a:rPr lang="ru-RU" smtClean="0"/>
               <a:pPr/>
-              <a:t>22.07.2022</a:t>
+              <a:t>19.10.2022</a:t>
             </a:fld>
             <a:endParaRPr lang="ru-RU"/>
           </a:p>
@@ -3893,8 +3893,8 @@
         </p:nvSpPr>
         <p:spPr>
           <a:xfrm>
-            <a:off x="6372200" y="2991342"/>
-            <a:ext cx="2753757" cy="2031325"/>
+            <a:off x="6372200" y="3132132"/>
+            <a:ext cx="2753757" cy="1815882"/>
           </a:xfrm>
           <a:prstGeom prst="rect">
             <a:avLst/>
@@ -3971,39 +3971,18 @@
                 <a:latin typeface="Times New Roman" panose="02020603050405020304" pitchFamily="18" charset="0"/>
                 <a:cs typeface="Times New Roman" panose="02020603050405020304" pitchFamily="18" charset="0"/>
               </a:rPr>
-              <a:t> Д.И., </a:t>
-            </a:r>
-            <a:r>
-              <a:rPr lang="ru-RU" sz="1400" dirty="0" err="1">
+              <a:t> Д.И</a:t>
+            </a:r>
+            <a:r>
+              <a:rPr lang="ru-RU" sz="1400" dirty="0" smtClean="0">
                 <a:latin typeface="Times New Roman" panose="02020603050405020304" pitchFamily="18" charset="0"/>
                 <a:cs typeface="Times New Roman" panose="02020603050405020304" pitchFamily="18" charset="0"/>
               </a:rPr>
-              <a:t>Дюрягина</a:t>
-            </a:r>
-            <a:r>
-              <a:rPr lang="ru-RU" sz="1400" dirty="0">
-                <a:latin typeface="Times New Roman" panose="02020603050405020304" pitchFamily="18" charset="0"/>
-                <a:cs typeface="Times New Roman" panose="02020603050405020304" pitchFamily="18" charset="0"/>
-              </a:rPr>
-              <a:t> К.Ю., </a:t>
-            </a:r>
-            <a:r>
-              <a:rPr lang="ru-RU" sz="1400" dirty="0" err="1">
-                <a:latin typeface="Times New Roman" panose="02020603050405020304" pitchFamily="18" charset="0"/>
-                <a:cs typeface="Times New Roman" panose="02020603050405020304" pitchFamily="18" charset="0"/>
-              </a:rPr>
-              <a:t>Шафикова</a:t>
-            </a:r>
-            <a:r>
-              <a:rPr lang="ru-RU" sz="1400" dirty="0">
-                <a:latin typeface="Times New Roman" panose="02020603050405020304" pitchFamily="18" charset="0"/>
-                <a:cs typeface="Times New Roman" panose="02020603050405020304" pitchFamily="18" charset="0"/>
-              </a:rPr>
-              <a:t> М.А.</a:t>
-            </a:r>
-            <a:endParaRPr lang="ru-RU" sz="1400" dirty="0" smtClean="0">
-              <a:latin typeface="Times New Roman" pitchFamily="18" charset="0"/>
-              <a:cs typeface="Times New Roman" pitchFamily="18" charset="0"/>
+              <a:t>.</a:t>
+            </a:r>
+            <a:endParaRPr lang="en-US" sz="1400" dirty="0" smtClean="0">
+              <a:latin typeface="Times New Roman" panose="02020603050405020304" pitchFamily="18" charset="0"/>
+              <a:cs typeface="Times New Roman" panose="02020603050405020304" pitchFamily="18" charset="0"/>
             </a:endParaRPr>
           </a:p>
           <a:p>
@@ -5266,35 +5245,6 @@
           </a:p>
         </p:txBody>
       </p:sp>
-      <p:pic>
-        <p:nvPicPr>
-          <p:cNvPr id="6" name="Рисунок 5"/>
-          <p:cNvPicPr>
-            <a:picLocks noChangeAspect="1"/>
-          </p:cNvPicPr>
-          <p:nvPr/>
-        </p:nvPicPr>
-        <p:blipFill rotWithShape="1">
-          <a:blip r:embed="rId3">
-            <a:extLst>
-              <a:ext uri="{28A0092B-C50C-407E-A947-70E740481C1C}">
-                <a14:useLocalDpi xmlns:a14="http://schemas.microsoft.com/office/drawing/2010/main" val="0"/>
-              </a:ext>
-            </a:extLst>
-          </a:blip>
-          <a:srcRect l="781" t="1829" r="775" b="2312"/>
-          <a:stretch/>
-        </p:blipFill>
-        <p:spPr>
-          <a:xfrm>
-            <a:off x="891140" y="977101"/>
-            <a:ext cx="7313179" cy="3666351"/>
-          </a:xfrm>
-          <a:prstGeom prst="rect">
-            <a:avLst/>
-          </a:prstGeom>
-        </p:spPr>
-      </p:pic>
       <p:sp>
         <p:nvSpPr>
           <p:cNvPr id="7" name="TextBox 6"/>
@@ -5415,6 +5365,30 @@
           </a:p>
         </p:txBody>
       </p:sp>
+      <p:pic>
+        <p:nvPicPr>
+          <p:cNvPr id="2" name="Рисунок 1"/>
+          <p:cNvPicPr>
+            <a:picLocks noChangeAspect="1"/>
+          </p:cNvPicPr>
+          <p:nvPr/>
+        </p:nvPicPr>
+        <p:blipFill>
+          <a:blip r:embed="rId3"/>
+          <a:stretch>
+            <a:fillRect/>
+          </a:stretch>
+        </p:blipFill>
+        <p:spPr>
+          <a:xfrm>
+            <a:off x="683568" y="987574"/>
+            <a:ext cx="7296150" cy="3667125"/>
+          </a:xfrm>
+          <a:prstGeom prst="rect">
+            <a:avLst/>
+          </a:prstGeom>
+        </p:spPr>
+      </p:pic>
     </p:spTree>
     <p:extLst>
       <p:ext uri="{BB962C8B-B14F-4D97-AF65-F5344CB8AC3E}">

--- a/doc/Презентация_Летней Практики.pptx
+++ b/doc/Презентация_Летней Практики.pptx
@@ -5501,36 +5501,6 @@
           </a:p>
         </p:txBody>
       </p:sp>
-      <p:pic>
-        <p:nvPicPr>
-          <p:cNvPr id="2" name="Рисунок 1"/>
-          <p:cNvPicPr>
-            <a:picLocks noChangeAspect="1"/>
-          </p:cNvPicPr>
-          <p:nvPr/>
-        </p:nvPicPr>
-        <p:blipFill>
-          <a:blip r:embed="rId3" cstate="print">
-            <a:extLst>
-              <a:ext uri="{28A0092B-C50C-407E-A947-70E740481C1C}">
-                <a14:useLocalDpi xmlns:a14="http://schemas.microsoft.com/office/drawing/2010/main" val="0"/>
-              </a:ext>
-            </a:extLst>
-          </a:blip>
-          <a:stretch>
-            <a:fillRect/>
-          </a:stretch>
-        </p:blipFill>
-        <p:spPr>
-          <a:xfrm>
-            <a:off x="1011834" y="1082674"/>
-            <a:ext cx="6804248" cy="3562584"/>
-          </a:xfrm>
-          <a:prstGeom prst="rect">
-            <a:avLst/>
-          </a:prstGeom>
-        </p:spPr>
-      </p:pic>
       <p:sp>
         <p:nvSpPr>
           <p:cNvPr id="7" name="TextBox 6"/>
@@ -5651,6 +5621,35 @@
           </a:p>
         </p:txBody>
       </p:sp>
+      <p:pic>
+        <p:nvPicPr>
+          <p:cNvPr id="3" name="Рисунок 2"/>
+          <p:cNvPicPr>
+            <a:picLocks noChangeAspect="1"/>
+          </p:cNvPicPr>
+          <p:nvPr/>
+        </p:nvPicPr>
+        <p:blipFill rotWithShape="1">
+          <a:blip r:embed="rId3" cstate="print">
+            <a:extLst>
+              <a:ext uri="{28A0092B-C50C-407E-A947-70E740481C1C}">
+                <a14:useLocalDpi xmlns:a14="http://schemas.microsoft.com/office/drawing/2010/main" val="0"/>
+              </a:ext>
+            </a:extLst>
+          </a:blip>
+          <a:srcRect t="10943"/>
+          <a:stretch/>
+        </p:blipFill>
+        <p:spPr>
+          <a:xfrm>
+            <a:off x="1115616" y="1057578"/>
+            <a:ext cx="6984776" cy="3515613"/>
+          </a:xfrm>
+          <a:prstGeom prst="rect">
+            <a:avLst/>
+          </a:prstGeom>
+        </p:spPr>
+      </p:pic>
     </p:spTree>
     <p:extLst>
       <p:ext uri="{BB962C8B-B14F-4D97-AF65-F5344CB8AC3E}">
@@ -5732,7 +5731,7 @@
         <p:spPr>
           <a:xfrm>
             <a:off x="571472" y="1285866"/>
-            <a:ext cx="8001056" cy="3139321"/>
+            <a:ext cx="8001056" cy="2862322"/>
           </a:xfrm>
           <a:prstGeom prst="rect">
             <a:avLst/>
@@ -5750,7 +5749,21 @@
                 <a:latin typeface="Times New Roman" panose="02020603050405020304" pitchFamily="18" charset="0"/>
                 <a:cs typeface="Times New Roman" panose="02020603050405020304" pitchFamily="18" charset="0"/>
               </a:rPr>
-              <a:t>В ходе коллективной работы над проектом были поставлены точные требования к программе, затем были выявлены элементы интерфейса пользователя, разработаны необходимые математические модели, определены и детализированы структуры данных и алгоритмы. После завершения проектирования алгоритмы были реализованы на языке </a:t>
+              <a:t>В ходе коллективной работы над проектом были поставлены точные требования к программе, затем были выявлены элементы интерфейса пользователя, разработаны необходимые математические </a:t>
+            </a:r>
+            <a:r>
+              <a:rPr lang="ru-RU" dirty="0" smtClean="0">
+                <a:latin typeface="Times New Roman" panose="02020603050405020304" pitchFamily="18" charset="0"/>
+                <a:cs typeface="Times New Roman" panose="02020603050405020304" pitchFamily="18" charset="0"/>
+              </a:rPr>
+              <a:t>модели. </a:t>
+            </a:r>
+            <a:r>
+              <a:rPr lang="ru-RU" dirty="0">
+                <a:latin typeface="Times New Roman" panose="02020603050405020304" pitchFamily="18" charset="0"/>
+                <a:cs typeface="Times New Roman" panose="02020603050405020304" pitchFamily="18" charset="0"/>
+              </a:rPr>
+              <a:t>После завершения проектирования алгоритмы были реализованы на языке </a:t>
             </a:r>
             <a:r>
               <a:rPr lang="en-US" dirty="0">
